--- a/ronbun/src/fig/intro/fig4.pptx
+++ b/ronbun/src/fig/intro/fig4.pptx
@@ -260,7 +260,7 @@
           <a:p>
             <a:fld id="{71CC3FBE-8444-4BB6-AA77-D4B2639B8FC2}" type="datetimeFigureOut">
               <a:rPr kumimoji="1" lang="ja-JP" altLang="en-US" smtClean="0"/>
-              <a:t>2021/1/10</a:t>
+              <a:t>2021/1/21</a:t>
             </a:fld>
             <a:endParaRPr kumimoji="1" lang="ja-JP" altLang="en-US"/>
           </a:p>
@@ -490,7 +490,7 @@
           <a:p>
             <a:fld id="{71CC3FBE-8444-4BB6-AA77-D4B2639B8FC2}" type="datetimeFigureOut">
               <a:rPr kumimoji="1" lang="ja-JP" altLang="en-US" smtClean="0"/>
-              <a:t>2021/1/10</a:t>
+              <a:t>2021/1/21</a:t>
             </a:fld>
             <a:endParaRPr kumimoji="1" lang="ja-JP" altLang="en-US"/>
           </a:p>
@@ -730,7 +730,7 @@
           <a:p>
             <a:fld id="{71CC3FBE-8444-4BB6-AA77-D4B2639B8FC2}" type="datetimeFigureOut">
               <a:rPr kumimoji="1" lang="ja-JP" altLang="en-US" smtClean="0"/>
-              <a:t>2021/1/10</a:t>
+              <a:t>2021/1/21</a:t>
             </a:fld>
             <a:endParaRPr kumimoji="1" lang="ja-JP" altLang="en-US"/>
           </a:p>
@@ -960,7 +960,7 @@
           <a:p>
             <a:fld id="{71CC3FBE-8444-4BB6-AA77-D4B2639B8FC2}" type="datetimeFigureOut">
               <a:rPr kumimoji="1" lang="ja-JP" altLang="en-US" smtClean="0"/>
-              <a:t>2021/1/10</a:t>
+              <a:t>2021/1/21</a:t>
             </a:fld>
             <a:endParaRPr kumimoji="1" lang="ja-JP" altLang="en-US"/>
           </a:p>
@@ -1235,7 +1235,7 @@
           <a:p>
             <a:fld id="{71CC3FBE-8444-4BB6-AA77-D4B2639B8FC2}" type="datetimeFigureOut">
               <a:rPr kumimoji="1" lang="ja-JP" altLang="en-US" smtClean="0"/>
-              <a:t>2021/1/10</a:t>
+              <a:t>2021/1/21</a:t>
             </a:fld>
             <a:endParaRPr kumimoji="1" lang="ja-JP" altLang="en-US"/>
           </a:p>
@@ -1564,7 +1564,7 @@
           <a:p>
             <a:fld id="{71CC3FBE-8444-4BB6-AA77-D4B2639B8FC2}" type="datetimeFigureOut">
               <a:rPr kumimoji="1" lang="ja-JP" altLang="en-US" smtClean="0"/>
-              <a:t>2021/1/10</a:t>
+              <a:t>2021/1/21</a:t>
             </a:fld>
             <a:endParaRPr kumimoji="1" lang="ja-JP" altLang="en-US"/>
           </a:p>
@@ -2040,7 +2040,7 @@
           <a:p>
             <a:fld id="{71CC3FBE-8444-4BB6-AA77-D4B2639B8FC2}" type="datetimeFigureOut">
               <a:rPr kumimoji="1" lang="ja-JP" altLang="en-US" smtClean="0"/>
-              <a:t>2021/1/10</a:t>
+              <a:t>2021/1/21</a:t>
             </a:fld>
             <a:endParaRPr kumimoji="1" lang="ja-JP" altLang="en-US"/>
           </a:p>
@@ -2181,7 +2181,7 @@
           <a:p>
             <a:fld id="{71CC3FBE-8444-4BB6-AA77-D4B2639B8FC2}" type="datetimeFigureOut">
               <a:rPr kumimoji="1" lang="ja-JP" altLang="en-US" smtClean="0"/>
-              <a:t>2021/1/10</a:t>
+              <a:t>2021/1/21</a:t>
             </a:fld>
             <a:endParaRPr kumimoji="1" lang="ja-JP" altLang="en-US"/>
           </a:p>
@@ -2294,7 +2294,7 @@
           <a:p>
             <a:fld id="{71CC3FBE-8444-4BB6-AA77-D4B2639B8FC2}" type="datetimeFigureOut">
               <a:rPr kumimoji="1" lang="ja-JP" altLang="en-US" smtClean="0"/>
-              <a:t>2021/1/10</a:t>
+              <a:t>2021/1/21</a:t>
             </a:fld>
             <a:endParaRPr kumimoji="1" lang="ja-JP" altLang="en-US"/>
           </a:p>
@@ -2637,7 +2637,7 @@
           <a:p>
             <a:fld id="{71CC3FBE-8444-4BB6-AA77-D4B2639B8FC2}" type="datetimeFigureOut">
               <a:rPr kumimoji="1" lang="ja-JP" altLang="en-US" smtClean="0"/>
-              <a:t>2021/1/10</a:t>
+              <a:t>2021/1/21</a:t>
             </a:fld>
             <a:endParaRPr kumimoji="1" lang="ja-JP" altLang="en-US"/>
           </a:p>
@@ -2925,7 +2925,7 @@
           <a:p>
             <a:fld id="{71CC3FBE-8444-4BB6-AA77-D4B2639B8FC2}" type="datetimeFigureOut">
               <a:rPr kumimoji="1" lang="ja-JP" altLang="en-US" smtClean="0"/>
-              <a:t>2021/1/10</a:t>
+              <a:t>2021/1/21</a:t>
             </a:fld>
             <a:endParaRPr kumimoji="1" lang="ja-JP" altLang="en-US"/>
           </a:p>
@@ -3198,7 +3198,7 @@
           <a:p>
             <a:fld id="{71CC3FBE-8444-4BB6-AA77-D4B2639B8FC2}" type="datetimeFigureOut">
               <a:rPr kumimoji="1" lang="ja-JP" altLang="en-US" smtClean="0"/>
-              <a:t>2021/1/10</a:t>
+              <a:t>2021/1/21</a:t>
             </a:fld>
             <a:endParaRPr kumimoji="1" lang="ja-JP" altLang="en-US"/>
           </a:p>
@@ -3821,7 +3821,7 @@
         </p:nvSpPr>
         <p:spPr>
           <a:xfrm>
-            <a:off x="4921348" y="2054609"/>
+            <a:off x="5257800" y="2026474"/>
             <a:ext cx="1676400" cy="523220"/>
           </a:xfrm>
           <a:prstGeom prst="rect">
@@ -3841,7 +3841,7 @@
                   <a:srgbClr val="FFC000"/>
                 </a:solidFill>
               </a:rPr>
-              <a:t>遷移状態</a:t>
+              <a:t>遷移</a:t>
             </a:r>
             <a:endParaRPr kumimoji="1" lang="ja-JP" altLang="en-US" sz="2000" b="1" dirty="0">
               <a:solidFill>
@@ -3865,7 +3865,7 @@
         </p:nvSpPr>
         <p:spPr>
           <a:xfrm>
-            <a:off x="7235484" y="2054609"/>
+            <a:off x="7176058" y="2026474"/>
             <a:ext cx="1439593" cy="523220"/>
           </a:xfrm>
           <a:prstGeom prst="rect">

--- a/ronbun/src/fig/intro/fig4.pptx
+++ b/ronbun/src/fig/intro/fig4.pptx
@@ -260,7 +260,7 @@
           <a:p>
             <a:fld id="{71CC3FBE-8444-4BB6-AA77-D4B2639B8FC2}" type="datetimeFigureOut">
               <a:rPr kumimoji="1" lang="ja-JP" altLang="en-US" smtClean="0"/>
-              <a:t>2021/1/21</a:t>
+              <a:t>2021/1/25</a:t>
             </a:fld>
             <a:endParaRPr kumimoji="1" lang="ja-JP" altLang="en-US"/>
           </a:p>
@@ -490,7 +490,7 @@
           <a:p>
             <a:fld id="{71CC3FBE-8444-4BB6-AA77-D4B2639B8FC2}" type="datetimeFigureOut">
               <a:rPr kumimoji="1" lang="ja-JP" altLang="en-US" smtClean="0"/>
-              <a:t>2021/1/21</a:t>
+              <a:t>2021/1/25</a:t>
             </a:fld>
             <a:endParaRPr kumimoji="1" lang="ja-JP" altLang="en-US"/>
           </a:p>
@@ -730,7 +730,7 @@
           <a:p>
             <a:fld id="{71CC3FBE-8444-4BB6-AA77-D4B2639B8FC2}" type="datetimeFigureOut">
               <a:rPr kumimoji="1" lang="ja-JP" altLang="en-US" smtClean="0"/>
-              <a:t>2021/1/21</a:t>
+              <a:t>2021/1/25</a:t>
             </a:fld>
             <a:endParaRPr kumimoji="1" lang="ja-JP" altLang="en-US"/>
           </a:p>
@@ -960,7 +960,7 @@
           <a:p>
             <a:fld id="{71CC3FBE-8444-4BB6-AA77-D4B2639B8FC2}" type="datetimeFigureOut">
               <a:rPr kumimoji="1" lang="ja-JP" altLang="en-US" smtClean="0"/>
-              <a:t>2021/1/21</a:t>
+              <a:t>2021/1/25</a:t>
             </a:fld>
             <a:endParaRPr kumimoji="1" lang="ja-JP" altLang="en-US"/>
           </a:p>
@@ -1235,7 +1235,7 @@
           <a:p>
             <a:fld id="{71CC3FBE-8444-4BB6-AA77-D4B2639B8FC2}" type="datetimeFigureOut">
               <a:rPr kumimoji="1" lang="ja-JP" altLang="en-US" smtClean="0"/>
-              <a:t>2021/1/21</a:t>
+              <a:t>2021/1/25</a:t>
             </a:fld>
             <a:endParaRPr kumimoji="1" lang="ja-JP" altLang="en-US"/>
           </a:p>
@@ -1564,7 +1564,7 @@
           <a:p>
             <a:fld id="{71CC3FBE-8444-4BB6-AA77-D4B2639B8FC2}" type="datetimeFigureOut">
               <a:rPr kumimoji="1" lang="ja-JP" altLang="en-US" smtClean="0"/>
-              <a:t>2021/1/21</a:t>
+              <a:t>2021/1/25</a:t>
             </a:fld>
             <a:endParaRPr kumimoji="1" lang="ja-JP" altLang="en-US"/>
           </a:p>
@@ -2040,7 +2040,7 @@
           <a:p>
             <a:fld id="{71CC3FBE-8444-4BB6-AA77-D4B2639B8FC2}" type="datetimeFigureOut">
               <a:rPr kumimoji="1" lang="ja-JP" altLang="en-US" smtClean="0"/>
-              <a:t>2021/1/21</a:t>
+              <a:t>2021/1/25</a:t>
             </a:fld>
             <a:endParaRPr kumimoji="1" lang="ja-JP" altLang="en-US"/>
           </a:p>
@@ -2181,7 +2181,7 @@
           <a:p>
             <a:fld id="{71CC3FBE-8444-4BB6-AA77-D4B2639B8FC2}" type="datetimeFigureOut">
               <a:rPr kumimoji="1" lang="ja-JP" altLang="en-US" smtClean="0"/>
-              <a:t>2021/1/21</a:t>
+              <a:t>2021/1/25</a:t>
             </a:fld>
             <a:endParaRPr kumimoji="1" lang="ja-JP" altLang="en-US"/>
           </a:p>
@@ -2294,7 +2294,7 @@
           <a:p>
             <a:fld id="{71CC3FBE-8444-4BB6-AA77-D4B2639B8FC2}" type="datetimeFigureOut">
               <a:rPr kumimoji="1" lang="ja-JP" altLang="en-US" smtClean="0"/>
-              <a:t>2021/1/21</a:t>
+              <a:t>2021/1/25</a:t>
             </a:fld>
             <a:endParaRPr kumimoji="1" lang="ja-JP" altLang="en-US"/>
           </a:p>
@@ -2637,7 +2637,7 @@
           <a:p>
             <a:fld id="{71CC3FBE-8444-4BB6-AA77-D4B2639B8FC2}" type="datetimeFigureOut">
               <a:rPr kumimoji="1" lang="ja-JP" altLang="en-US" smtClean="0"/>
-              <a:t>2021/1/21</a:t>
+              <a:t>2021/1/25</a:t>
             </a:fld>
             <a:endParaRPr kumimoji="1" lang="ja-JP" altLang="en-US"/>
           </a:p>
@@ -2925,7 +2925,7 @@
           <a:p>
             <a:fld id="{71CC3FBE-8444-4BB6-AA77-D4B2639B8FC2}" type="datetimeFigureOut">
               <a:rPr kumimoji="1" lang="ja-JP" altLang="en-US" smtClean="0"/>
-              <a:t>2021/1/21</a:t>
+              <a:t>2021/1/25</a:t>
             </a:fld>
             <a:endParaRPr kumimoji="1" lang="ja-JP" altLang="en-US"/>
           </a:p>
@@ -3198,7 +3198,7 @@
           <a:p>
             <a:fld id="{71CC3FBE-8444-4BB6-AA77-D4B2639B8FC2}" type="datetimeFigureOut">
               <a:rPr kumimoji="1" lang="ja-JP" altLang="en-US" smtClean="0"/>
-              <a:t>2021/1/21</a:t>
+              <a:t>2021/1/25</a:t>
             </a:fld>
             <a:endParaRPr kumimoji="1" lang="ja-JP" altLang="en-US"/>
           </a:p>
@@ -3929,7 +3929,7 @@
                   <a:srgbClr val="7030A0"/>
                 </a:solidFill>
               </a:rPr>
-              <a:t>氷巨大惑星的</a:t>
+              <a:t>巨大氷惑星的</a:t>
             </a:r>
             <a:endParaRPr kumimoji="1" lang="ja-JP" altLang="en-US" sz="2000" b="1" dirty="0">
               <a:solidFill>
